--- a/assets/pptx/presentation-week-12.pptx
+++ b/assets/pptx/presentation-week-12.pptx
@@ -19,11 +19,10 @@
     <p:sldId id="266" r:id="rId13"/>
     <p:sldId id="268" r:id="rId14"/>
     <p:sldId id="269" r:id="rId15"/>
-    <p:sldId id="270" r:id="rId16"/>
-    <p:sldId id="271" r:id="rId17"/>
-    <p:sldId id="272" r:id="rId18"/>
-    <p:sldId id="273" r:id="rId19"/>
-    <p:sldId id="274" r:id="rId20"/>
+    <p:sldId id="271" r:id="rId16"/>
+    <p:sldId id="272" r:id="rId17"/>
+    <p:sldId id="273" r:id="rId18"/>
+    <p:sldId id="274" r:id="rId19"/>
   </p:sldIdLst>
   <p:sldSz cx="12192000" cy="6858000"/>
   <p:notesSz cx="6858000" cy="9144000"/>
@@ -6963,7 +6962,7 @@
             <a:pPr algn="ctr"/>
             <a:r>
               <a:rPr lang="en-US" dirty="0"/>
-              <a:t>Password encryption</a:t>
+              <a:t>Password hashing and decryption</a:t>
             </a:r>
             <a:endParaRPr lang="en-US" sz="4400" dirty="0">
               <a:solidFill>
@@ -6988,7 +6987,7 @@
         <p:spPr>
           <a:xfrm>
             <a:off x="442115" y="3279965"/>
-            <a:ext cx="3959352" cy="1477328"/>
+            <a:ext cx="3959352" cy="2308324"/>
           </a:xfrm>
           <a:prstGeom prst="rect">
             <a:avLst/>
@@ -7013,30 +7012,36 @@
             </a:r>
           </a:p>
           <a:p>
+            <a:endParaRPr lang="en-US" dirty="0">
+              <a:solidFill>
+                <a:srgbClr val="DBDEE1"/>
+              </a:solidFill>
+              <a:latin typeface="gg sans"/>
+              <a:cs typeface="Times New Roman" panose="02020603050405020304" pitchFamily="18" charset="0"/>
+              <a:sym typeface="Wingdings" panose="05000000000000000000" pitchFamily="2" charset="2"/>
+            </a:endParaRPr>
+          </a:p>
+          <a:p>
             <a:r>
               <a:rPr lang="en-US" dirty="0">
                 <a:solidFill>
-                  <a:schemeClr val="tx1">
-                    <a:lumMod val="85000"/>
-                  </a:schemeClr>
+                  <a:srgbClr val="DBDEE1"/>
                 </a:solidFill>
-                <a:latin typeface="Times New Roman" panose="02020603050405020304" pitchFamily="18" charset="0"/>
-                <a:cs typeface="Times New Roman" panose="02020603050405020304" pitchFamily="18" charset="0"/>
-              </a:rPr>
-              <a:t>We protect user data by keeping user passwords secret, even from us A password encryption looks like this:    </a:t>
-            </a:r>
-            <a:r>
-              <a:rPr lang="en-US" dirty="0">
-                <a:solidFill>
-                  <a:schemeClr val="tx1">
-                    <a:lumMod val="85000"/>
-                  </a:schemeClr>
-                </a:solidFill>
-                <a:latin typeface="Times New Roman" panose="02020603050405020304" pitchFamily="18" charset="0"/>
+                <a:latin typeface="gg sans"/>
                 <a:cs typeface="Times New Roman" panose="02020603050405020304" pitchFamily="18" charset="0"/>
                 <a:sym typeface="Wingdings" panose="05000000000000000000" pitchFamily="2" charset="2"/>
               </a:rPr>
-              <a:t></a:t>
+              <a:t>We are not actually decrypting our passwords but instead </a:t>
+            </a:r>
+            <a:r>
+              <a:rPr lang="en-US" b="0" i="0" dirty="0">
+                <a:solidFill>
+                  <a:srgbClr val="DBDEE1"/>
+                </a:solidFill>
+                <a:effectLst/>
+                <a:latin typeface="gg sans"/>
+              </a:rPr>
+              <a:t>the hash a given string creates is just checked to make sure it's the hash that was saved from last time.</a:t>
             </a:r>
             <a:endParaRPr lang="en-US" dirty="0">
               <a:solidFill>
@@ -7046,6 +7051,7 @@
               </a:solidFill>
               <a:latin typeface="Times New Roman" panose="02020603050405020304" pitchFamily="18" charset="0"/>
               <a:cs typeface="Times New Roman" panose="02020603050405020304" pitchFamily="18" charset="0"/>
+              <a:sym typeface="Wingdings" panose="05000000000000000000" pitchFamily="2" charset="2"/>
             </a:endParaRPr>
           </a:p>
         </p:txBody>
@@ -7125,7 +7131,7 @@
     </p:spTree>
     <p:extLst>
       <p:ext uri="{BB962C8B-B14F-4D97-AF65-F5344CB8AC3E}">
-        <p14:creationId xmlns:p14="http://schemas.microsoft.com/office/powerpoint/2010/main" val="1065197459"/>
+        <p14:creationId xmlns:p14="http://schemas.microsoft.com/office/powerpoint/2010/main" val="433180258"/>
       </p:ext>
     </p:extLst>
   </p:cSld>
@@ -7359,8 +7365,20 @@
           <a:p>
             <a:pPr algn="ctr"/>
             <a:r>
+              <a:rPr lang="en-US" dirty="0" err="1"/>
+              <a:t>Viewuser</a:t>
+            </a:r>
+            <a:r>
               <a:rPr lang="en-US" dirty="0"/>
-              <a:t>Password hashing and decryption</a:t>
+              <a:t> </a:t>
+            </a:r>
+            <a:r>
+              <a:rPr lang="en-US" dirty="0" err="1"/>
+              <a:t>api</a:t>
+            </a:r>
+            <a:r>
+              <a:rPr lang="en-US" dirty="0"/>
+              <a:t> endpoint</a:t>
             </a:r>
             <a:endParaRPr lang="en-US" sz="4400" dirty="0">
               <a:solidFill>
@@ -7385,7 +7403,7 @@
         <p:spPr>
           <a:xfrm>
             <a:off x="442115" y="3279965"/>
-            <a:ext cx="3959352" cy="2308324"/>
+            <a:ext cx="3959352" cy="923330"/>
           </a:xfrm>
           <a:prstGeom prst="rect">
             <a:avLst/>
@@ -7401,45 +7419,110 @@
             <a:r>
               <a:rPr lang="en-US" b="0" i="0" dirty="0">
                 <a:solidFill>
-                  <a:srgbClr val="DBDEE1"/>
+                  <a:schemeClr val="tx1">
+                    <a:lumMod val="85000"/>
+                  </a:schemeClr>
                 </a:solidFill>
                 <a:effectLst/>
                 <a:latin typeface="gg sans"/>
               </a:rPr>
-              <a:t>Passwords are now being hashed in the back end.</a:t>
-            </a:r>
-          </a:p>
-          <a:p>
-            <a:endParaRPr lang="en-US" dirty="0">
-              <a:solidFill>
-                <a:srgbClr val="DBDEE1"/>
-              </a:solidFill>
-              <a:latin typeface="gg sans"/>
-              <a:cs typeface="Times New Roman" panose="02020603050405020304" pitchFamily="18" charset="0"/>
-              <a:sym typeface="Wingdings" panose="05000000000000000000" pitchFamily="2" charset="2"/>
-            </a:endParaRPr>
-          </a:p>
-          <a:p>
-            <a:r>
-              <a:rPr lang="en-US" dirty="0">
+              <a:t>the </a:t>
+            </a:r>
+            <a:r>
+              <a:rPr lang="en-US" b="0" i="0" dirty="0" err="1">
                 <a:solidFill>
-                  <a:srgbClr val="DBDEE1"/>
-                </a:solidFill>
-                <a:latin typeface="gg sans"/>
-                <a:cs typeface="Times New Roman" panose="02020603050405020304" pitchFamily="18" charset="0"/>
-                <a:sym typeface="Wingdings" panose="05000000000000000000" pitchFamily="2" charset="2"/>
-              </a:rPr>
-              <a:t>We are not actually decrypting our passwords but instead </a:t>
-            </a:r>
-            <a:r>
-              <a:rPr lang="en-US" b="0" i="0" dirty="0">
-                <a:solidFill>
-                  <a:srgbClr val="DBDEE1"/>
+                  <a:schemeClr val="tx1">
+                    <a:lumMod val="85000"/>
+                  </a:schemeClr>
                 </a:solidFill>
                 <a:effectLst/>
                 <a:latin typeface="gg sans"/>
               </a:rPr>
-              <a:t>the hash a given string creates is just checked to make sure it's the hash that was saved from last time.</a:t>
+              <a:t>api</a:t>
+            </a:r>
+            <a:r>
+              <a:rPr lang="en-US" b="0" i="0" dirty="0">
+                <a:solidFill>
+                  <a:schemeClr val="tx1">
+                    <a:lumMod val="85000"/>
+                  </a:schemeClr>
+                </a:solidFill>
+                <a:effectLst/>
+                <a:latin typeface="gg sans"/>
+              </a:rPr>
+              <a:t> endpoint /</a:t>
+            </a:r>
+            <a:r>
+              <a:rPr lang="en-US" b="0" i="0" dirty="0" err="1">
+                <a:solidFill>
+                  <a:schemeClr val="tx1">
+                    <a:lumMod val="85000"/>
+                  </a:schemeClr>
+                </a:solidFill>
+                <a:effectLst/>
+                <a:latin typeface="gg sans"/>
+              </a:rPr>
+              <a:t>viewUser</a:t>
+            </a:r>
+            <a:r>
+              <a:rPr lang="en-US" b="0" i="0" dirty="0">
+                <a:solidFill>
+                  <a:schemeClr val="tx1">
+                    <a:lumMod val="85000"/>
+                  </a:schemeClr>
+                </a:solidFill>
+                <a:effectLst/>
+                <a:latin typeface="gg sans"/>
+              </a:rPr>
+              <a:t> expects a value of type </a:t>
+            </a:r>
+            <a:r>
+              <a:rPr lang="en-US" b="0" i="0" dirty="0" err="1">
+                <a:solidFill>
+                  <a:schemeClr val="tx1">
+                    <a:lumMod val="85000"/>
+                  </a:schemeClr>
+                </a:solidFill>
+                <a:effectLst/>
+                <a:latin typeface="gg sans"/>
+              </a:rPr>
+              <a:t>ViewUser</a:t>
+            </a:r>
+            <a:r>
+              <a:rPr lang="en-US" b="0" i="0" dirty="0">
+                <a:solidFill>
+                  <a:schemeClr val="tx1">
+                    <a:lumMod val="85000"/>
+                  </a:schemeClr>
+                </a:solidFill>
+                <a:effectLst/>
+                <a:latin typeface="gg sans"/>
+              </a:rPr>
+              <a:t> and responds with a </a:t>
+            </a:r>
+            <a:r>
+              <a:rPr lang="en-US" b="0" i="0" dirty="0" err="1">
+                <a:solidFill>
+                  <a:schemeClr val="tx1">
+                    <a:lumMod val="85000"/>
+                  </a:schemeClr>
+                </a:solidFill>
+                <a:effectLst/>
+                <a:latin typeface="gg sans"/>
+              </a:rPr>
+              <a:t>PublicUserProfile</a:t>
+            </a:r>
+            <a:r>
+              <a:rPr lang="en-US" b="0" i="0" dirty="0">
+                <a:solidFill>
+                  <a:schemeClr val="tx1">
+                    <a:lumMod val="85000"/>
+                  </a:schemeClr>
+                </a:solidFill>
+                <a:effectLst/>
+                <a:latin typeface="gg sans"/>
+              </a:rPr>
+              <a:t> type.</a:t>
             </a:r>
             <a:endParaRPr lang="en-US" dirty="0">
               <a:solidFill>
@@ -7456,10 +7539,10 @@
       </p:sp>
       <p:pic>
         <p:nvPicPr>
-          <p:cNvPr id="5" name="Picture 4" descr="Graphical user interface, text, application&#10;&#10;Description automatically generated">
-            <a:extLst>
-              <a:ext uri="{FF2B5EF4-FFF2-40B4-BE49-F238E27FC236}">
-                <a16:creationId xmlns:a16="http://schemas.microsoft.com/office/drawing/2014/main" id="{A17370E5-665E-680D-EDBA-4F8CBA0A41B4}"/>
+          <p:cNvPr id="4" name="Picture 3">
+            <a:extLst>
+              <a:ext uri="{FF2B5EF4-FFF2-40B4-BE49-F238E27FC236}">
+                <a16:creationId xmlns:a16="http://schemas.microsoft.com/office/drawing/2014/main" id="{CB4A4ECC-4FF9-3D26-74DB-AF28C43DC3B3}"/>
               </a:ext>
             </a:extLst>
           </p:cNvPr>
@@ -7482,8 +7565,8 @@
         </p:blipFill>
         <p:spPr>
           <a:xfrm>
-            <a:off x="4639367" y="1489339"/>
-            <a:ext cx="7254239" cy="703769"/>
+            <a:off x="4654294" y="3161093"/>
+            <a:ext cx="7269480" cy="845820"/>
           </a:xfrm>
           <a:prstGeom prst="rect">
             <a:avLst/>
@@ -7492,10 +7575,10 @@
       </p:pic>
       <p:pic>
         <p:nvPicPr>
-          <p:cNvPr id="7" name="Picture 6" descr="Graphical user interface, text&#10;&#10;Description automatically generated">
-            <a:extLst>
-              <a:ext uri="{FF2B5EF4-FFF2-40B4-BE49-F238E27FC236}">
-                <a16:creationId xmlns:a16="http://schemas.microsoft.com/office/drawing/2014/main" id="{AF9486D5-4D54-9729-4B28-3ADACD7F4FFE}"/>
+          <p:cNvPr id="9" name="Picture 8">
+            <a:extLst>
+              <a:ext uri="{FF2B5EF4-FFF2-40B4-BE49-F238E27FC236}">
+                <a16:creationId xmlns:a16="http://schemas.microsoft.com/office/drawing/2014/main" id="{9553A985-3058-9200-27BC-257CA52DEFD0}"/>
               </a:ext>
             </a:extLst>
           </p:cNvPr>
@@ -7518,8 +7601,8 @@
         </p:blipFill>
         <p:spPr>
           <a:xfrm>
-            <a:off x="4608886" y="3997833"/>
-            <a:ext cx="7284720" cy="1150620"/>
+            <a:off x="4665724" y="4483004"/>
+            <a:ext cx="7246620" cy="830580"/>
           </a:xfrm>
           <a:prstGeom prst="rect">
             <a:avLst/>
@@ -7529,7 +7612,7 @@
     </p:spTree>
     <p:extLst>
       <p:ext uri="{BB962C8B-B14F-4D97-AF65-F5344CB8AC3E}">
-        <p14:creationId xmlns:p14="http://schemas.microsoft.com/office/powerpoint/2010/main" val="433180258"/>
+        <p14:creationId xmlns:p14="http://schemas.microsoft.com/office/powerpoint/2010/main" val="3138684826"/>
       </p:ext>
     </p:extLst>
   </p:cSld>
@@ -7763,487 +7846,6 @@
           <a:p>
             <a:pPr algn="ctr"/>
             <a:r>
-              <a:rPr lang="en-US" dirty="0" err="1"/>
-              <a:t>Viewuser</a:t>
-            </a:r>
-            <a:r>
-              <a:rPr lang="en-US" dirty="0"/>
-              <a:t> </a:t>
-            </a:r>
-            <a:r>
-              <a:rPr lang="en-US" dirty="0" err="1"/>
-              <a:t>api</a:t>
-            </a:r>
-            <a:r>
-              <a:rPr lang="en-US" dirty="0"/>
-              <a:t> endpoint</a:t>
-            </a:r>
-            <a:endParaRPr lang="en-US" sz="4400" dirty="0">
-              <a:solidFill>
-                <a:schemeClr val="tx1"/>
-              </a:solidFill>
-            </a:endParaRPr>
-          </a:p>
-        </p:txBody>
-      </p:sp>
-      <p:sp>
-        <p:nvSpPr>
-          <p:cNvPr id="13" name="TextBox 12">
-            <a:extLst>
-              <a:ext uri="{FF2B5EF4-FFF2-40B4-BE49-F238E27FC236}">
-                <a16:creationId xmlns:a16="http://schemas.microsoft.com/office/drawing/2014/main" id="{515707C3-46C9-51EB-AE9C-7E1434BC1511}"/>
-              </a:ext>
-            </a:extLst>
-          </p:cNvPr>
-          <p:cNvSpPr txBox="1"/>
-          <p:nvPr/>
-        </p:nvSpPr>
-        <p:spPr>
-          <a:xfrm>
-            <a:off x="442115" y="3279965"/>
-            <a:ext cx="3959352" cy="923330"/>
-          </a:xfrm>
-          <a:prstGeom prst="rect">
-            <a:avLst/>
-          </a:prstGeom>
-          <a:noFill/>
-        </p:spPr>
-        <p:txBody>
-          <a:bodyPr wrap="square" rtlCol="0">
-            <a:spAutoFit/>
-          </a:bodyPr>
-          <a:lstStyle/>
-          <a:p>
-            <a:r>
-              <a:rPr lang="en-US" b="0" i="0" dirty="0">
-                <a:solidFill>
-                  <a:schemeClr val="tx1">
-                    <a:lumMod val="85000"/>
-                  </a:schemeClr>
-                </a:solidFill>
-                <a:effectLst/>
-                <a:latin typeface="gg sans"/>
-              </a:rPr>
-              <a:t>the </a:t>
-            </a:r>
-            <a:r>
-              <a:rPr lang="en-US" b="0" i="0" dirty="0" err="1">
-                <a:solidFill>
-                  <a:schemeClr val="tx1">
-                    <a:lumMod val="85000"/>
-                  </a:schemeClr>
-                </a:solidFill>
-                <a:effectLst/>
-                <a:latin typeface="gg sans"/>
-              </a:rPr>
-              <a:t>api</a:t>
-            </a:r>
-            <a:r>
-              <a:rPr lang="en-US" b="0" i="0" dirty="0">
-                <a:solidFill>
-                  <a:schemeClr val="tx1">
-                    <a:lumMod val="85000"/>
-                  </a:schemeClr>
-                </a:solidFill>
-                <a:effectLst/>
-                <a:latin typeface="gg sans"/>
-              </a:rPr>
-              <a:t> endpoint /</a:t>
-            </a:r>
-            <a:r>
-              <a:rPr lang="en-US" b="0" i="0" dirty="0" err="1">
-                <a:solidFill>
-                  <a:schemeClr val="tx1">
-                    <a:lumMod val="85000"/>
-                  </a:schemeClr>
-                </a:solidFill>
-                <a:effectLst/>
-                <a:latin typeface="gg sans"/>
-              </a:rPr>
-              <a:t>viewUser</a:t>
-            </a:r>
-            <a:r>
-              <a:rPr lang="en-US" b="0" i="0" dirty="0">
-                <a:solidFill>
-                  <a:schemeClr val="tx1">
-                    <a:lumMod val="85000"/>
-                  </a:schemeClr>
-                </a:solidFill>
-                <a:effectLst/>
-                <a:latin typeface="gg sans"/>
-              </a:rPr>
-              <a:t> expects a value of type </a:t>
-            </a:r>
-            <a:r>
-              <a:rPr lang="en-US" b="0" i="0" dirty="0" err="1">
-                <a:solidFill>
-                  <a:schemeClr val="tx1">
-                    <a:lumMod val="85000"/>
-                  </a:schemeClr>
-                </a:solidFill>
-                <a:effectLst/>
-                <a:latin typeface="gg sans"/>
-              </a:rPr>
-              <a:t>ViewUser</a:t>
-            </a:r>
-            <a:r>
-              <a:rPr lang="en-US" b="0" i="0" dirty="0">
-                <a:solidFill>
-                  <a:schemeClr val="tx1">
-                    <a:lumMod val="85000"/>
-                  </a:schemeClr>
-                </a:solidFill>
-                <a:effectLst/>
-                <a:latin typeface="gg sans"/>
-              </a:rPr>
-              <a:t> and responds with a </a:t>
-            </a:r>
-            <a:r>
-              <a:rPr lang="en-US" b="0" i="0" dirty="0" err="1">
-                <a:solidFill>
-                  <a:schemeClr val="tx1">
-                    <a:lumMod val="85000"/>
-                  </a:schemeClr>
-                </a:solidFill>
-                <a:effectLst/>
-                <a:latin typeface="gg sans"/>
-              </a:rPr>
-              <a:t>PublicUserProfile</a:t>
-            </a:r>
-            <a:r>
-              <a:rPr lang="en-US" b="0" i="0" dirty="0">
-                <a:solidFill>
-                  <a:schemeClr val="tx1">
-                    <a:lumMod val="85000"/>
-                  </a:schemeClr>
-                </a:solidFill>
-                <a:effectLst/>
-                <a:latin typeface="gg sans"/>
-              </a:rPr>
-              <a:t> type.</a:t>
-            </a:r>
-            <a:endParaRPr lang="en-US" dirty="0">
-              <a:solidFill>
-                <a:schemeClr val="tx1">
-                  <a:lumMod val="85000"/>
-                </a:schemeClr>
-              </a:solidFill>
-              <a:latin typeface="Times New Roman" panose="02020603050405020304" pitchFamily="18" charset="0"/>
-              <a:cs typeface="Times New Roman" panose="02020603050405020304" pitchFamily="18" charset="0"/>
-              <a:sym typeface="Wingdings" panose="05000000000000000000" pitchFamily="2" charset="2"/>
-            </a:endParaRPr>
-          </a:p>
-        </p:txBody>
-      </p:sp>
-      <p:pic>
-        <p:nvPicPr>
-          <p:cNvPr id="4" name="Picture 3">
-            <a:extLst>
-              <a:ext uri="{FF2B5EF4-FFF2-40B4-BE49-F238E27FC236}">
-                <a16:creationId xmlns:a16="http://schemas.microsoft.com/office/drawing/2014/main" id="{CB4A4ECC-4FF9-3D26-74DB-AF28C43DC3B3}"/>
-              </a:ext>
-            </a:extLst>
-          </p:cNvPr>
-          <p:cNvPicPr>
-            <a:picLocks noChangeAspect="1"/>
-          </p:cNvPicPr>
-          <p:nvPr/>
-        </p:nvPicPr>
-        <p:blipFill>
-          <a:blip r:embed="rId2">
-            <a:extLst>
-              <a:ext uri="{28A0092B-C50C-407E-A947-70E740481C1C}">
-                <a14:useLocalDpi xmlns:a14="http://schemas.microsoft.com/office/drawing/2010/main" val="0"/>
-              </a:ext>
-            </a:extLst>
-          </a:blip>
-          <a:stretch>
-            <a:fillRect/>
-          </a:stretch>
-        </p:blipFill>
-        <p:spPr>
-          <a:xfrm>
-            <a:off x="4654294" y="3161093"/>
-            <a:ext cx="7269480" cy="845820"/>
-          </a:xfrm>
-          <a:prstGeom prst="rect">
-            <a:avLst/>
-          </a:prstGeom>
-        </p:spPr>
-      </p:pic>
-      <p:pic>
-        <p:nvPicPr>
-          <p:cNvPr id="9" name="Picture 8">
-            <a:extLst>
-              <a:ext uri="{FF2B5EF4-FFF2-40B4-BE49-F238E27FC236}">
-                <a16:creationId xmlns:a16="http://schemas.microsoft.com/office/drawing/2014/main" id="{9553A985-3058-9200-27BC-257CA52DEFD0}"/>
-              </a:ext>
-            </a:extLst>
-          </p:cNvPr>
-          <p:cNvPicPr>
-            <a:picLocks noChangeAspect="1"/>
-          </p:cNvPicPr>
-          <p:nvPr/>
-        </p:nvPicPr>
-        <p:blipFill>
-          <a:blip r:embed="rId3">
-            <a:extLst>
-              <a:ext uri="{28A0092B-C50C-407E-A947-70E740481C1C}">
-                <a14:useLocalDpi xmlns:a14="http://schemas.microsoft.com/office/drawing/2010/main" val="0"/>
-              </a:ext>
-            </a:extLst>
-          </a:blip>
-          <a:stretch>
-            <a:fillRect/>
-          </a:stretch>
-        </p:blipFill>
-        <p:spPr>
-          <a:xfrm>
-            <a:off x="4665724" y="4483004"/>
-            <a:ext cx="7246620" cy="830580"/>
-          </a:xfrm>
-          <a:prstGeom prst="rect">
-            <a:avLst/>
-          </a:prstGeom>
-        </p:spPr>
-      </p:pic>
-    </p:spTree>
-    <p:extLst>
-      <p:ext uri="{BB962C8B-B14F-4D97-AF65-F5344CB8AC3E}">
-        <p14:creationId xmlns:p14="http://schemas.microsoft.com/office/powerpoint/2010/main" val="3138684826"/>
-      </p:ext>
-    </p:extLst>
-  </p:cSld>
-  <p:clrMapOvr>
-    <a:overrideClrMapping bg1="dk1" tx1="lt1" bg2="dk2" tx2="lt2" accent1="accent1" accent2="accent2" accent3="accent3" accent4="accent4" accent5="accent5" accent6="accent6" hlink="hlink" folHlink="folHlink"/>
-  </p:clrMapOvr>
-</p:sld>
-</file>
-
-<file path=ppt/slides/slide18.xml><?xml version="1.0" encoding="utf-8"?>
-<p:sld xmlns:a="http://schemas.openxmlformats.org/drawingml/2006/main" xmlns:r="http://schemas.openxmlformats.org/officeDocument/2006/relationships" xmlns:p="http://schemas.openxmlformats.org/presentationml/2006/main">
-  <p:cSld>
-    <p:bg>
-      <p:bgPr>
-        <a:gradFill rotWithShape="1">
-          <a:gsLst>
-            <a:gs pos="0">
-              <a:schemeClr val="bg1">
-                <a:tint val="80000"/>
-                <a:shade val="100000"/>
-                <a:satMod val="300000"/>
-              </a:schemeClr>
-            </a:gs>
-            <a:gs pos="100000">
-              <a:schemeClr val="bg1">
-                <a:tint val="100000"/>
-                <a:shade val="30000"/>
-                <a:satMod val="200000"/>
-              </a:schemeClr>
-            </a:gs>
-          </a:gsLst>
-          <a:path path="circle">
-            <a:fillToRect l="50000" t="50000" r="50000" b="50000"/>
-          </a:path>
-        </a:gradFill>
-        <a:effectLst/>
-      </p:bgPr>
-    </p:bg>
-    <p:spTree>
-      <p:nvGrpSpPr>
-        <p:cNvPr id="1" name=""/>
-        <p:cNvGrpSpPr/>
-        <p:nvPr/>
-      </p:nvGrpSpPr>
-      <p:grpSpPr>
-        <a:xfrm>
-          <a:off x="0" y="0"/>
-          <a:ext cx="0" cy="0"/>
-          <a:chOff x="0" y="0"/>
-          <a:chExt cx="0" cy="0"/>
-        </a:xfrm>
-      </p:grpSpPr>
-      <p:sp useBgFill="1">
-        <p:nvSpPr>
-          <p:cNvPr id="8" name="Rectangle 7">
-            <a:extLst>
-              <a:ext uri="{FF2B5EF4-FFF2-40B4-BE49-F238E27FC236}">
-                <a16:creationId xmlns:a16="http://schemas.microsoft.com/office/drawing/2014/main" id="{ED15573D-0E45-4691-B525-471152EC18CD}"/>
-              </a:ext>
-              <a:ext uri="{C183D7F6-B498-43B3-948B-1728B52AA6E4}">
-                <adec:decorative xmlns:adec="http://schemas.microsoft.com/office/drawing/2017/decorative" val="1"/>
-              </a:ext>
-            </a:extLst>
-          </p:cNvPr>
-          <p:cNvSpPr>
-            <a:spLocks noGrp="1" noRot="1" noChangeAspect="1" noMove="1" noResize="1" noEditPoints="1" noAdjustHandles="1" noChangeArrowheads="1" noChangeShapeType="1" noTextEdit="1"/>
-          </p:cNvSpPr>
-          <p:nvPr>
-            <p:extLst>
-              <p:ext uri="{386F3935-93C4-4BCD-93E2-E3B085C9AB24}">
-                <p16:designElem xmlns:p16="http://schemas.microsoft.com/office/powerpoint/2015/main" val="1"/>
-              </p:ext>
-            </p:extLst>
-          </p:nvPr>
-        </p:nvSpPr>
-        <p:spPr>
-          <a:xfrm>
-            <a:off x="0" y="0"/>
-            <a:ext cx="12192000" cy="6858000"/>
-          </a:xfrm>
-          <a:prstGeom prst="rect">
-            <a:avLst/>
-          </a:prstGeom>
-          <a:ln>
-            <a:noFill/>
-          </a:ln>
-        </p:spPr>
-        <p:style>
-          <a:lnRef idx="2">
-            <a:schemeClr val="accent1">
-              <a:shade val="50000"/>
-            </a:schemeClr>
-          </a:lnRef>
-          <a:fillRef idx="1">
-            <a:schemeClr val="accent1"/>
-          </a:fillRef>
-          <a:effectRef idx="0">
-            <a:schemeClr val="accent1"/>
-          </a:effectRef>
-          <a:fontRef idx="minor">
-            <a:schemeClr val="lt1"/>
-          </a:fontRef>
-        </p:style>
-        <p:txBody>
-          <a:bodyPr rtlCol="0" anchor="ctr"/>
-          <a:lstStyle/>
-          <a:p>
-            <a:pPr algn="ctr"/>
-            <a:endParaRPr lang="en-US"/>
-          </a:p>
-        </p:txBody>
-      </p:sp>
-      <p:sp>
-        <p:nvSpPr>
-          <p:cNvPr id="10" name="Rectangle 9">
-            <a:extLst>
-              <a:ext uri="{FF2B5EF4-FFF2-40B4-BE49-F238E27FC236}">
-                <a16:creationId xmlns:a16="http://schemas.microsoft.com/office/drawing/2014/main" id="{9E448559-19A4-4252-8C27-54C1DA906F8A}"/>
-              </a:ext>
-              <a:ext uri="{C183D7F6-B498-43B3-948B-1728B52AA6E4}">
-                <adec:decorative xmlns:adec="http://schemas.microsoft.com/office/drawing/2017/decorative" val="1"/>
-              </a:ext>
-            </a:extLst>
-          </p:cNvPr>
-          <p:cNvSpPr>
-            <a:spLocks noGrp="1" noRot="1" noChangeAspect="1" noMove="1" noResize="1" noEditPoints="1" noAdjustHandles="1" noChangeArrowheads="1" noChangeShapeType="1" noTextEdit="1"/>
-          </p:cNvSpPr>
-          <p:nvPr>
-            <p:extLst>
-              <p:ext uri="{386F3935-93C4-4BCD-93E2-E3B085C9AB24}">
-                <p16:designElem xmlns:p16="http://schemas.microsoft.com/office/powerpoint/2015/main" val="1"/>
-              </p:ext>
-            </p:extLst>
-          </p:nvPr>
-        </p:nvSpPr>
-        <p:spPr>
-          <a:xfrm>
-            <a:off x="234696" y="237744"/>
-            <a:ext cx="4419599" cy="6382512"/>
-          </a:xfrm>
-          <a:prstGeom prst="rect">
-            <a:avLst/>
-          </a:prstGeom>
-          <a:solidFill>
-            <a:schemeClr val="bg1">
-              <a:lumMod val="75000"/>
-              <a:alpha val="60000"/>
-            </a:schemeClr>
-          </a:solidFill>
-          <a:ln w="6350" cap="flat" cmpd="sng" algn="ctr">
-            <a:noFill/>
-            <a:prstDash val="solid"/>
-          </a:ln>
-          <a:effectLst>
-            <a:softEdge rad="0"/>
-          </a:effectLst>
-        </p:spPr>
-      </p:sp>
-      <p:sp>
-        <p:nvSpPr>
-          <p:cNvPr id="12" name="Rectangle 11">
-            <a:extLst>
-              <a:ext uri="{FF2B5EF4-FFF2-40B4-BE49-F238E27FC236}">
-                <a16:creationId xmlns:a16="http://schemas.microsoft.com/office/drawing/2014/main" id="{1B19C35E-4E30-4F1D-9FC2-F2FA6191E453}"/>
-              </a:ext>
-              <a:ext uri="{C183D7F6-B498-43B3-948B-1728B52AA6E4}">
-                <adec:decorative xmlns:adec="http://schemas.microsoft.com/office/drawing/2017/decorative" val="1"/>
-              </a:ext>
-            </a:extLst>
-          </p:cNvPr>
-          <p:cNvSpPr>
-            <a:spLocks noGrp="1" noRot="1" noChangeAspect="1" noMove="1" noResize="1" noEditPoints="1" noAdjustHandles="1" noChangeArrowheads="1" noChangeShapeType="1" noTextEdit="1"/>
-          </p:cNvSpPr>
-          <p:nvPr>
-            <p:extLst>
-              <p:ext uri="{386F3935-93C4-4BCD-93E2-E3B085C9AB24}">
-                <p16:designElem xmlns:p16="http://schemas.microsoft.com/office/powerpoint/2015/main" val="1"/>
-              </p:ext>
-            </p:extLst>
-          </p:nvPr>
-        </p:nvSpPr>
-        <p:spPr>
-          <a:xfrm>
-            <a:off x="464819" y="466344"/>
-            <a:ext cx="3959352" cy="5925312"/>
-          </a:xfrm>
-          <a:prstGeom prst="rect">
-            <a:avLst/>
-          </a:prstGeom>
-          <a:noFill/>
-          <a:ln w="6350" cap="sq" cmpd="sng" algn="ctr">
-            <a:solidFill>
-              <a:schemeClr val="tx1">
-                <a:lumMod val="75000"/>
-                <a:lumOff val="25000"/>
-              </a:schemeClr>
-            </a:solidFill>
-            <a:prstDash val="solid"/>
-            <a:miter lim="800000"/>
-          </a:ln>
-          <a:effectLst/>
-        </p:spPr>
-      </p:sp>
-      <p:sp>
-        <p:nvSpPr>
-          <p:cNvPr id="2" name="Title 1">
-            <a:extLst>
-              <a:ext uri="{FF2B5EF4-FFF2-40B4-BE49-F238E27FC236}">
-                <a16:creationId xmlns:a16="http://schemas.microsoft.com/office/drawing/2014/main" id="{C62E373B-E3F1-C7DD-301A-8856B0AA55F6}"/>
-              </a:ext>
-            </a:extLst>
-          </p:cNvPr>
-          <p:cNvSpPr>
-            <a:spLocks noGrp="1"/>
-          </p:cNvSpPr>
-          <p:nvPr>
-            <p:ph type="title"/>
-          </p:nvPr>
-        </p:nvSpPr>
-        <p:spPr>
-          <a:xfrm>
-            <a:off x="498875" y="1225123"/>
-            <a:ext cx="3948000" cy="1935970"/>
-          </a:xfrm>
-        </p:spPr>
-        <p:txBody>
-          <a:bodyPr>
-            <a:normAutofit/>
-          </a:bodyPr>
-          <a:lstStyle/>
-          <a:p>
-            <a:pPr algn="ctr"/>
-            <a:r>
               <a:rPr lang="en-US" dirty="0"/>
               <a:t>Rebuilding the server</a:t>
             </a:r>
@@ -8522,7 +8124,7 @@
 </p:sld>
 </file>
 
-<file path=ppt/slides/slide19.xml><?xml version="1.0" encoding="utf-8"?>
+<file path=ppt/slides/slide18.xml><?xml version="1.0" encoding="utf-8"?>
 <p:sld xmlns:a="http://schemas.openxmlformats.org/drawingml/2006/main" xmlns:r="http://schemas.openxmlformats.org/officeDocument/2006/relationships" xmlns:p="http://schemas.openxmlformats.org/presentationml/2006/main">
   <p:cSld>
     <p:bg>
@@ -11699,10 +11301,10 @@
       </p:sp>
       <p:pic>
         <p:nvPicPr>
-          <p:cNvPr id="5" name="Picture 4" descr="Text&#10;&#10;Description automatically generated">
-            <a:extLst>
-              <a:ext uri="{FF2B5EF4-FFF2-40B4-BE49-F238E27FC236}">
-                <a16:creationId xmlns:a16="http://schemas.microsoft.com/office/drawing/2014/main" id="{8BDF3E8D-0D18-0488-4378-9E71CCBB29A6}"/>
+          <p:cNvPr id="4" name="Picture 3" descr="Text&#10;&#10;Description automatically generated">
+            <a:extLst>
+              <a:ext uri="{FF2B5EF4-FFF2-40B4-BE49-F238E27FC236}">
+                <a16:creationId xmlns:a16="http://schemas.microsoft.com/office/drawing/2014/main" id="{499ACD89-DF98-1564-3EFD-C68497B8526B}"/>
               </a:ext>
             </a:extLst>
           </p:cNvPr>
@@ -11725,44 +11327,8 @@
         </p:blipFill>
         <p:spPr>
           <a:xfrm>
-            <a:off x="4654294" y="237744"/>
-            <a:ext cx="5199826" cy="4436359"/>
-          </a:xfrm>
-          <a:prstGeom prst="rect">
-            <a:avLst/>
-          </a:prstGeom>
-        </p:spPr>
-      </p:pic>
-      <p:pic>
-        <p:nvPicPr>
-          <p:cNvPr id="7" name="Picture 6" descr="Text&#10;&#10;Description automatically generated">
-            <a:extLst>
-              <a:ext uri="{FF2B5EF4-FFF2-40B4-BE49-F238E27FC236}">
-                <a16:creationId xmlns:a16="http://schemas.microsoft.com/office/drawing/2014/main" id="{25E1A03A-FCF0-7664-F5FC-906F6D9796C6}"/>
-              </a:ext>
-            </a:extLst>
-          </p:cNvPr>
-          <p:cNvPicPr>
-            <a:picLocks noChangeAspect="1"/>
-          </p:cNvPicPr>
-          <p:nvPr/>
-        </p:nvPicPr>
-        <p:blipFill>
-          <a:blip r:embed="rId3">
-            <a:extLst>
-              <a:ext uri="{28A0092B-C50C-407E-A947-70E740481C1C}">
-                <a14:useLocalDpi xmlns:a14="http://schemas.microsoft.com/office/drawing/2010/main" val="0"/>
-              </a:ext>
-            </a:extLst>
-          </a:blip>
-          <a:stretch>
-            <a:fillRect/>
-          </a:stretch>
-        </p:blipFill>
-        <p:spPr>
-          <a:xfrm>
-            <a:off x="4635592" y="4674103"/>
-            <a:ext cx="5199826" cy="2052198"/>
+            <a:off x="4616890" y="914400"/>
+            <a:ext cx="5684520" cy="5029200"/>
           </a:xfrm>
           <a:prstGeom prst="rect">
             <a:avLst/>
